--- a/UML/UML i powerpoint.pptx
+++ b/UML/UML i powerpoint.pptx
@@ -104,7 +104,57 @@
       </a:defRPr>
     </a:lvl9pPr>
   </p:defaultTextStyle>
+  <p:extLst>
+    <p:ext uri="{EFAFB233-063F-42B5-8137-9DF3F51BA10A}">
+      <p15:sldGuideLst xmlns:p15="http://schemas.microsoft.com/office/powerpoint/2012/main"/>
+    </p:ext>
+  </p:extLst>
 </p:presentation>
+</file>
+
+<file path=ppt/changesInfos/changesInfo1.xml><?xml version="1.0" encoding="utf-8"?>
+<pc:chgInfo xmlns:a="http://schemas.openxmlformats.org/drawingml/2006/main" xmlns:r="http://schemas.openxmlformats.org/officeDocument/2006/relationships" xmlns:ac="http://schemas.microsoft.com/office/drawing/2013/main/command" xmlns:pc="http://schemas.microsoft.com/office/powerpoint/2013/main/command">
+  <pc:docChgLst>
+    <pc:chgData name="Christian Aresvik" userId="b8a2761d-cf2d-4109-b2de-92e2a49dcbde" providerId="ADAL" clId="{766F2A50-B860-4F5D-9A99-7D876178FB81}"/>
+    <pc:docChg chg="modSld">
+      <pc:chgData name="Christian Aresvik" userId="b8a2761d-cf2d-4109-b2de-92e2a49dcbde" providerId="ADAL" clId="{766F2A50-B860-4F5D-9A99-7D876178FB81}" dt="2023-11-03T08:46:03.043" v="7" actId="1076"/>
+      <pc:docMkLst>
+        <pc:docMk/>
+      </pc:docMkLst>
+      <pc:sldChg chg="modSp mod">
+        <pc:chgData name="Christian Aresvik" userId="b8a2761d-cf2d-4109-b2de-92e2a49dcbde" providerId="ADAL" clId="{766F2A50-B860-4F5D-9A99-7D876178FB81}" dt="2023-11-03T08:46:03.043" v="7" actId="1076"/>
+        <pc:sldMkLst>
+          <pc:docMk/>
+          <pc:sldMk cId="382616151" sldId="256"/>
+        </pc:sldMkLst>
+        <pc:graphicFrameChg chg="mod">
+          <ac:chgData name="Christian Aresvik" userId="b8a2761d-cf2d-4109-b2de-92e2a49dcbde" providerId="ADAL" clId="{766F2A50-B860-4F5D-9A99-7D876178FB81}" dt="2023-11-03T08:45:48.031" v="1" actId="1076"/>
+          <ac:graphicFrameMkLst>
+            <pc:docMk/>
+            <pc:sldMk cId="382616151" sldId="256"/>
+            <ac:graphicFrameMk id="10" creationId="{C781E744-0428-C96E-A0B5-07AFD9930B16}"/>
+          </ac:graphicFrameMkLst>
+        </pc:graphicFrameChg>
+        <pc:graphicFrameChg chg="mod modGraphic">
+          <ac:chgData name="Christian Aresvik" userId="b8a2761d-cf2d-4109-b2de-92e2a49dcbde" providerId="ADAL" clId="{766F2A50-B860-4F5D-9A99-7D876178FB81}" dt="2023-11-03T08:46:03.043" v="7" actId="1076"/>
+          <ac:graphicFrameMkLst>
+            <pc:docMk/>
+            <pc:sldMk cId="382616151" sldId="256"/>
+            <ac:graphicFrameMk id="11" creationId="{7350330C-F0BF-8BE3-5510-89F5106B6175}"/>
+          </ac:graphicFrameMkLst>
+        </pc:graphicFrameChg>
+        <pc:cxnChg chg="mod">
+          <ac:chgData name="Christian Aresvik" userId="b8a2761d-cf2d-4109-b2de-92e2a49dcbde" providerId="ADAL" clId="{766F2A50-B860-4F5D-9A99-7D876178FB81}" dt="2023-11-03T08:46:03.043" v="7" actId="1076"/>
+          <ac:cxnSpMkLst>
+            <pc:docMk/>
+            <pc:sldMk cId="382616151" sldId="256"/>
+            <ac:cxnSpMk id="15" creationId="{41570235-DC74-6097-AF34-F03543F1D99A}"/>
+          </ac:cxnSpMkLst>
+        </pc:cxnChg>
+      </pc:sldChg>
+    </pc:docChg>
+  </pc:docChgLst>
+</pc:chgInfo>
 </file>
 
 <file path=ppt/slideLayouts/slideLayout1.xml><?xml version="1.0" encoding="utf-8"?>
@@ -238,7 +288,7 @@
           <a:p>
             <a:fld id="{F6395636-49B5-4E07-A879-AFC5F9730C91}" type="datetimeFigureOut">
               <a:rPr lang="nb-NO" smtClean="0"/>
-              <a:t>31.10.2023</a:t>
+              <a:t>03.11.2023</a:t>
             </a:fld>
             <a:endParaRPr lang="nb-NO"/>
           </a:p>
@@ -408,7 +458,7 @@
           <a:p>
             <a:fld id="{F6395636-49B5-4E07-A879-AFC5F9730C91}" type="datetimeFigureOut">
               <a:rPr lang="nb-NO" smtClean="0"/>
-              <a:t>31.10.2023</a:t>
+              <a:t>03.11.2023</a:t>
             </a:fld>
             <a:endParaRPr lang="nb-NO"/>
           </a:p>
@@ -588,7 +638,7 @@
           <a:p>
             <a:fld id="{F6395636-49B5-4E07-A879-AFC5F9730C91}" type="datetimeFigureOut">
               <a:rPr lang="nb-NO" smtClean="0"/>
-              <a:t>31.10.2023</a:t>
+              <a:t>03.11.2023</a:t>
             </a:fld>
             <a:endParaRPr lang="nb-NO"/>
           </a:p>
@@ -758,7 +808,7 @@
           <a:p>
             <a:fld id="{F6395636-49B5-4E07-A879-AFC5F9730C91}" type="datetimeFigureOut">
               <a:rPr lang="nb-NO" smtClean="0"/>
-              <a:t>31.10.2023</a:t>
+              <a:t>03.11.2023</a:t>
             </a:fld>
             <a:endParaRPr lang="nb-NO"/>
           </a:p>
@@ -1004,7 +1054,7 @@
           <a:p>
             <a:fld id="{F6395636-49B5-4E07-A879-AFC5F9730C91}" type="datetimeFigureOut">
               <a:rPr lang="nb-NO" smtClean="0"/>
-              <a:t>31.10.2023</a:t>
+              <a:t>03.11.2023</a:t>
             </a:fld>
             <a:endParaRPr lang="nb-NO"/>
           </a:p>
@@ -1236,7 +1286,7 @@
           <a:p>
             <a:fld id="{F6395636-49B5-4E07-A879-AFC5F9730C91}" type="datetimeFigureOut">
               <a:rPr lang="nb-NO" smtClean="0"/>
-              <a:t>31.10.2023</a:t>
+              <a:t>03.11.2023</a:t>
             </a:fld>
             <a:endParaRPr lang="nb-NO"/>
           </a:p>
@@ -1603,7 +1653,7 @@
           <a:p>
             <a:fld id="{F6395636-49B5-4E07-A879-AFC5F9730C91}" type="datetimeFigureOut">
               <a:rPr lang="nb-NO" smtClean="0"/>
-              <a:t>31.10.2023</a:t>
+              <a:t>03.11.2023</a:t>
             </a:fld>
             <a:endParaRPr lang="nb-NO"/>
           </a:p>
@@ -1721,7 +1771,7 @@
           <a:p>
             <a:fld id="{F6395636-49B5-4E07-A879-AFC5F9730C91}" type="datetimeFigureOut">
               <a:rPr lang="nb-NO" smtClean="0"/>
-              <a:t>31.10.2023</a:t>
+              <a:t>03.11.2023</a:t>
             </a:fld>
             <a:endParaRPr lang="nb-NO"/>
           </a:p>
@@ -1816,7 +1866,7 @@
           <a:p>
             <a:fld id="{F6395636-49B5-4E07-A879-AFC5F9730C91}" type="datetimeFigureOut">
               <a:rPr lang="nb-NO" smtClean="0"/>
-              <a:t>31.10.2023</a:t>
+              <a:t>03.11.2023</a:t>
             </a:fld>
             <a:endParaRPr lang="nb-NO"/>
           </a:p>
@@ -2093,7 +2143,7 @@
           <a:p>
             <a:fld id="{F6395636-49B5-4E07-A879-AFC5F9730C91}" type="datetimeFigureOut">
               <a:rPr lang="nb-NO" smtClean="0"/>
-              <a:t>31.10.2023</a:t>
+              <a:t>03.11.2023</a:t>
             </a:fld>
             <a:endParaRPr lang="nb-NO"/>
           </a:p>
@@ -2350,7 +2400,7 @@
           <a:p>
             <a:fld id="{F6395636-49B5-4E07-A879-AFC5F9730C91}" type="datetimeFigureOut">
               <a:rPr lang="nb-NO" smtClean="0"/>
-              <a:t>31.10.2023</a:t>
+              <a:t>03.11.2023</a:t>
             </a:fld>
             <a:endParaRPr lang="nb-NO"/>
           </a:p>
@@ -2563,7 +2613,7 @@
           <a:p>
             <a:fld id="{F6395636-49B5-4E07-A879-AFC5F9730C91}" type="datetimeFigureOut">
               <a:rPr lang="nb-NO" smtClean="0"/>
-              <a:t>31.10.2023</a:t>
+              <a:t>03.11.2023</a:t>
             </a:fld>
             <a:endParaRPr lang="nb-NO"/>
           </a:p>
@@ -2983,13 +3033,13 @@
           <p:nvPr>
             <p:extLst>
               <p:ext uri="{D42A27DB-BD31-4B8C-83A1-F6EECF244321}">
-                <p14:modId xmlns:p14="http://schemas.microsoft.com/office/powerpoint/2010/main" val="3037262512"/>
+                <p14:modId xmlns:p14="http://schemas.microsoft.com/office/powerpoint/2010/main" val="2055899683"/>
               </p:ext>
             </p:extLst>
           </p:nvPr>
         </p:nvGraphicFramePr>
         <p:xfrm>
-          <a:off x="856350" y="976638"/>
+          <a:off x="7531470" y="1113798"/>
           <a:ext cx="3512450" cy="1963357"/>
         </p:xfrm>
         <a:graphic>
@@ -3297,13 +3347,13 @@
           <p:nvPr>
             <p:extLst>
               <p:ext uri="{D42A27DB-BD31-4B8C-83A1-F6EECF244321}">
-                <p14:modId xmlns:p14="http://schemas.microsoft.com/office/powerpoint/2010/main" val="544114957"/>
+                <p14:modId xmlns:p14="http://schemas.microsoft.com/office/powerpoint/2010/main" val="2096376861"/>
               </p:ext>
             </p:extLst>
           </p:nvPr>
         </p:nvGraphicFramePr>
         <p:xfrm>
-          <a:off x="1465950" y="4065278"/>
+          <a:off x="8506830" y="5291868"/>
           <a:ext cx="3512450" cy="1963357"/>
         </p:xfrm>
         <a:graphic>
@@ -3321,7 +3371,7 @@
                   </a:extLst>
                 </a:gridCol>
               </a:tblGrid>
-              <a:tr h="370840">
+              <a:tr h="0">
                 <a:tc>
                   <a:txBody>
                     <a:bodyPr/>
@@ -3614,8 +3664,8 @@
         </p:nvCxnSpPr>
         <p:spPr>
           <a:xfrm rot="16200000" flipH="1">
-            <a:off x="2354734" y="3197836"/>
-            <a:ext cx="1125283" cy="609600"/>
+            <a:off x="8668019" y="3696831"/>
+            <a:ext cx="2214713" cy="975360"/>
           </a:xfrm>
           <a:prstGeom prst="bentConnector3">
             <a:avLst>
